--- a/assets/Apresentação ap1.pptx
+++ b/assets/Apresentação ap1.pptx
@@ -5,7 +5,7 @@
     <p:sldMasterId id="2147483648" r:id="rId1"/>
   </p:sldMasterIdLst>
   <p:notesMasterIdLst>
-    <p:notesMasterId r:id="rId10"/>
+    <p:notesMasterId r:id="rId11"/>
   </p:notesMasterIdLst>
   <p:sldIdLst>
     <p:sldId id="256" r:id="rId2"/>
@@ -16,6 +16,7 @@
     <p:sldId id="261" r:id="rId7"/>
     <p:sldId id="262" r:id="rId8"/>
     <p:sldId id="263" r:id="rId9"/>
+    <p:sldId id="264" r:id="rId10"/>
   </p:sldIdLst>
   <p:sldSz cx="12192000" cy="6858000"/>
   <p:notesSz cx="6858000" cy="9144000"/>
@@ -114,6 +115,11 @@
       </a:defRPr>
     </a:lvl9pPr>
   </p:defaultTextStyle>
+  <p:extLst>
+    <p:ext uri="{EFAFB233-063F-42B5-8137-9DF3F51BA10A}">
+      <p15:sldGuideLst xmlns:p15="http://schemas.microsoft.com/office/powerpoint/2012/main"/>
+    </p:ext>
+  </p:extLst>
 </p:presentation>
 </file>
 
@@ -4330,13 +4336,13 @@
   <p:clrMapOvr>
     <a:masterClrMapping/>
   </p:clrMapOvr>
-  <mc:AlternateContent xmlns:mc="http://schemas.openxmlformats.org/markup-compatibility/2006">
-    <mc:Choice xmlns:p159="http://schemas.microsoft.com/office/powerpoint/2015/09/main" Requires="p159">
+  <mc:AlternateContent xmlns:mc="http://schemas.openxmlformats.org/markup-compatibility/2006" xmlns:p159="http://schemas.microsoft.com/office/powerpoint/2015/09/main">
+    <mc:Choice Requires="p159">
       <p:transition xmlns:p14="http://schemas.microsoft.com/office/powerpoint/2010/main" spd="slow" p14:dur="2000">
         <p159:morph option="byObject"/>
       </p:transition>
     </mc:Choice>
-    <mc:Fallback>
+    <mc:Fallback xmlns="">
       <p:transition spd="slow">
         <p:fade/>
       </p:transition>
@@ -4703,13 +4709,13 @@
   <p:clrMapOvr>
     <a:masterClrMapping/>
   </p:clrMapOvr>
-  <mc:AlternateContent xmlns:mc="http://schemas.openxmlformats.org/markup-compatibility/2006">
-    <mc:Choice xmlns:p159="http://schemas.microsoft.com/office/powerpoint/2015/09/main" Requires="p159">
+  <mc:AlternateContent xmlns:mc="http://schemas.openxmlformats.org/markup-compatibility/2006" xmlns:p159="http://schemas.microsoft.com/office/powerpoint/2015/09/main">
+    <mc:Choice Requires="p159">
       <p:transition xmlns:p14="http://schemas.microsoft.com/office/powerpoint/2010/main" spd="slow" p14:dur="2000">
         <p159:morph option="byObject"/>
       </p:transition>
     </mc:Choice>
-    <mc:Fallback>
+    <mc:Fallback xmlns="">
       <p:transition spd="slow">
         <p:fade/>
       </p:transition>
@@ -5067,13 +5073,13 @@
   <p:clrMapOvr>
     <a:masterClrMapping/>
   </p:clrMapOvr>
-  <mc:AlternateContent xmlns:mc="http://schemas.openxmlformats.org/markup-compatibility/2006">
-    <mc:Choice xmlns:p159="http://schemas.microsoft.com/office/powerpoint/2015/09/main" Requires="p159">
+  <mc:AlternateContent xmlns:mc="http://schemas.openxmlformats.org/markup-compatibility/2006" xmlns:p159="http://schemas.microsoft.com/office/powerpoint/2015/09/main">
+    <mc:Choice Requires="p159">
       <p:transition xmlns:p14="http://schemas.microsoft.com/office/powerpoint/2010/main" spd="slow" p14:dur="2000">
         <p159:morph option="byObject"/>
       </p:transition>
     </mc:Choice>
-    <mc:Fallback>
+    <mc:Fallback xmlns="">
       <p:transition spd="slow">
         <p:fade/>
       </p:transition>
@@ -5447,13 +5453,13 @@
   <p:clrMapOvr>
     <a:masterClrMapping/>
   </p:clrMapOvr>
-  <mc:AlternateContent xmlns:mc="http://schemas.openxmlformats.org/markup-compatibility/2006">
-    <mc:Choice xmlns:p159="http://schemas.microsoft.com/office/powerpoint/2015/09/main" Requires="p159">
+  <mc:AlternateContent xmlns:mc="http://schemas.openxmlformats.org/markup-compatibility/2006" xmlns:p159="http://schemas.microsoft.com/office/powerpoint/2015/09/main">
+    <mc:Choice Requires="p159">
       <p:transition xmlns:p14="http://schemas.microsoft.com/office/powerpoint/2010/main" spd="slow" p14:dur="2000">
         <p159:morph option="byObject"/>
       </p:transition>
     </mc:Choice>
-    <mc:Fallback>
+    <mc:Fallback xmlns="">
       <p:transition spd="slow">
         <p:fade/>
       </p:transition>
@@ -5811,13 +5817,13 @@
   <p:clrMapOvr>
     <a:masterClrMapping/>
   </p:clrMapOvr>
-  <mc:AlternateContent xmlns:mc="http://schemas.openxmlformats.org/markup-compatibility/2006">
-    <mc:Choice xmlns:p159="http://schemas.microsoft.com/office/powerpoint/2015/09/main" Requires="p159">
+  <mc:AlternateContent xmlns:mc="http://schemas.openxmlformats.org/markup-compatibility/2006" xmlns:p159="http://schemas.microsoft.com/office/powerpoint/2015/09/main">
+    <mc:Choice Requires="p159">
       <p:transition xmlns:p14="http://schemas.microsoft.com/office/powerpoint/2010/main" spd="slow" p14:dur="2000">
         <p159:morph option="byObject"/>
       </p:transition>
     </mc:Choice>
-    <mc:Fallback>
+    <mc:Fallback xmlns="">
       <p:transition spd="slow">
         <p:fade/>
       </p:transition>
@@ -6213,8 +6219,8 @@
         </p:nvSpPr>
         <p:spPr>
           <a:xfrm>
-            <a:off x="8989089" y="3543619"/>
-            <a:ext cx="2651548" cy="1323439"/>
+            <a:off x="8828963" y="3921700"/>
+            <a:ext cx="1545561" cy="907941"/>
           </a:xfrm>
           <a:prstGeom prst="rect">
             <a:avLst/>
@@ -6231,7 +6237,7 @@
               <a:buNone/>
             </a:pPr>
             <a:r>
-              <a:rPr lang="pt-BR" sz="800" b="1" kern="1200" dirty="0">
+              <a:rPr lang="pt-BR" sz="500" b="1" kern="1200" dirty="0">
                 <a:solidFill>
                   <a:schemeClr val="bg1"/>
                 </a:solidFill>
@@ -6242,7 +6248,7 @@
               </a:rPr>
               <a:t>Trabalhos Futuros</a:t>
             </a:r>
-            <a:endParaRPr lang="en-US" sz="800" dirty="0">
+            <a:endParaRPr lang="en-US" sz="500" dirty="0">
               <a:solidFill>
                 <a:schemeClr val="bg1"/>
               </a:solidFill>
@@ -6254,7 +6260,7 @@
               <a:buNone/>
             </a:pPr>
             <a:r>
-              <a:rPr lang="pt-BR" sz="800" kern="1200" dirty="0">
+              <a:rPr lang="pt-BR" sz="500" kern="1200" dirty="0">
                 <a:solidFill>
                   <a:schemeClr val="bg1"/>
                 </a:solidFill>
@@ -6265,7 +6271,7 @@
               </a:rPr>
               <a:t>- Desenvolvimento e montagem dos sensores principais que ainda não foram testados.</a:t>
             </a:r>
-            <a:endParaRPr lang="en-US" sz="800" dirty="0">
+            <a:endParaRPr lang="en-US" sz="500" dirty="0">
               <a:solidFill>
                 <a:schemeClr val="bg1"/>
               </a:solidFill>
@@ -6277,7 +6283,7 @@
               <a:buNone/>
             </a:pPr>
             <a:r>
-              <a:rPr lang="pt-BR" sz="800" kern="1200" dirty="0">
+              <a:rPr lang="pt-BR" sz="500" kern="1200" dirty="0">
                 <a:solidFill>
                   <a:schemeClr val="bg1"/>
                 </a:solidFill>
@@ -6288,7 +6294,7 @@
               </a:rPr>
               <a:t>- Integração completa do hardware com o sistema de comunicação LoRa-ESP32-MQTT.</a:t>
             </a:r>
-            <a:endParaRPr lang="en-US" sz="800" dirty="0">
+            <a:endParaRPr lang="en-US" sz="500" dirty="0">
               <a:solidFill>
                 <a:schemeClr val="bg1"/>
               </a:solidFill>
@@ -6300,7 +6306,7 @@
               <a:buNone/>
             </a:pPr>
             <a:r>
-              <a:rPr lang="pt-BR" sz="800" kern="1200" dirty="0">
+              <a:rPr lang="pt-BR" sz="500" kern="1200" dirty="0">
                 <a:solidFill>
                   <a:schemeClr val="bg1"/>
                 </a:solidFill>
@@ -6311,7 +6317,7 @@
               </a:rPr>
               <a:t>- Realização de testes em campo para validar a eficiência do sistema em condições reais.</a:t>
             </a:r>
-            <a:endParaRPr lang="en-US" sz="800" dirty="0">
+            <a:endParaRPr lang="en-US" sz="500" dirty="0">
               <a:solidFill>
                 <a:schemeClr val="bg1"/>
               </a:solidFill>
@@ -6321,7 +6327,7 @@
           <a:p>
             <a:pPr marL="0" algn="l" rtl="0" eaLnBrk="1" latinLnBrk="0" hangingPunct="1"/>
             <a:r>
-              <a:rPr lang="pt-BR" sz="800" kern="1200" dirty="0">
+              <a:rPr lang="pt-BR" sz="500" kern="1200" dirty="0">
                 <a:solidFill>
                   <a:schemeClr val="bg1"/>
                 </a:solidFill>
@@ -6333,7 +6339,7 @@
               <a:t>- Otimização do consumo energético para maior autonomia do dispositivo</a:t>
             </a:r>
             <a:r>
-              <a:rPr lang="pt-BR" sz="800" kern="1200" dirty="0">
+              <a:rPr lang="pt-BR" sz="500" kern="1200" dirty="0">
                 <a:solidFill>
                   <a:srgbClr val="000000"/>
                 </a:solidFill>
@@ -6344,7 +6350,7 @@
               </a:rPr>
               <a:t>.</a:t>
             </a:r>
-            <a:endParaRPr lang="en-US" sz="800" dirty="0">
+            <a:endParaRPr lang="en-US" sz="500" dirty="0">
               <a:effectLst/>
             </a:endParaRPr>
           </a:p>
@@ -6355,6 +6361,42 @@
           </a:p>
         </p:txBody>
       </p:sp>
+      <p:pic>
+        <p:nvPicPr>
+          <p:cNvPr id="3" name="Imagem 2" descr="Laptop em cima de teclado de computador&#10;&#10;O conteúdo gerado por IA pode estar incorreto.">
+            <a:extLst>
+              <a:ext uri="{FF2B5EF4-FFF2-40B4-BE49-F238E27FC236}">
+                <a16:creationId xmlns:a16="http://schemas.microsoft.com/office/drawing/2014/main" id="{3BD74374-9CEF-C961-E434-7585572CB9EE}"/>
+              </a:ext>
+            </a:extLst>
+          </p:cNvPr>
+          <p:cNvPicPr>
+            <a:picLocks noChangeAspect="1"/>
+          </p:cNvPicPr>
+          <p:nvPr/>
+        </p:nvPicPr>
+        <p:blipFill>
+          <a:blip r:embed="rId2">
+            <a:extLst>
+              <a:ext uri="{28A0092B-C50C-407E-A947-70E740481C1C}">
+                <a14:useLocalDpi xmlns:a14="http://schemas.microsoft.com/office/drawing/2010/main" val="0"/>
+              </a:ext>
+            </a:extLst>
+          </a:blip>
+          <a:stretch>
+            <a:fillRect/>
+          </a:stretch>
+        </p:blipFill>
+        <p:spPr>
+          <a:xfrm>
+            <a:off x="10508994" y="3750250"/>
+            <a:ext cx="906860" cy="1209146"/>
+          </a:xfrm>
+          <a:prstGeom prst="rect">
+            <a:avLst/>
+          </a:prstGeom>
+        </p:spPr>
+      </p:pic>
     </p:spTree>
     <p:extLst>
       <p:ext uri="{BB962C8B-B14F-4D97-AF65-F5344CB8AC3E}">
@@ -6365,13 +6407,13 @@
   <p:clrMapOvr>
     <a:masterClrMapping/>
   </p:clrMapOvr>
-  <mc:AlternateContent xmlns:mc="http://schemas.openxmlformats.org/markup-compatibility/2006">
-    <mc:Choice xmlns:p159="http://schemas.microsoft.com/office/powerpoint/2015/09/main" Requires="p159">
+  <mc:AlternateContent xmlns:mc="http://schemas.openxmlformats.org/markup-compatibility/2006" xmlns:p159="http://schemas.microsoft.com/office/powerpoint/2015/09/main">
+    <mc:Choice Requires="p159">
       <p:transition xmlns:p14="http://schemas.microsoft.com/office/powerpoint/2010/main" spd="slow" p14:dur="2000">
         <p159:morph option="byObject"/>
       </p:transition>
     </mc:Choice>
-    <mc:Fallback>
+    <mc:Fallback xmlns="">
       <p:transition spd="slow">
         <p:fade/>
       </p:transition>
@@ -6954,13 +6996,250 @@
   <p:clrMapOvr>
     <a:masterClrMapping/>
   </p:clrMapOvr>
-  <mc:AlternateContent xmlns:mc="http://schemas.openxmlformats.org/markup-compatibility/2006">
-    <mc:Choice xmlns:p159="http://schemas.microsoft.com/office/powerpoint/2015/09/main" Requires="p159">
+  <mc:AlternateContent xmlns:mc="http://schemas.openxmlformats.org/markup-compatibility/2006" xmlns:p159="http://schemas.microsoft.com/office/powerpoint/2015/09/main">
+    <mc:Choice Requires="p159">
       <p:transition xmlns:p14="http://schemas.microsoft.com/office/powerpoint/2010/main" spd="slow" p14:dur="2000">
         <p159:morph option="byObject"/>
       </p:transition>
     </mc:Choice>
-    <mc:Fallback>
+    <mc:Fallback xmlns="">
+      <p:transition spd="slow">
+        <p:fade/>
+      </p:transition>
+    </mc:Fallback>
+  </mc:AlternateContent>
+</p:sld>
+</file>
+
+<file path=ppt/slides/slide9.xml><?xml version="1.0" encoding="utf-8"?>
+<p:sld xmlns:a="http://schemas.openxmlformats.org/drawingml/2006/main" xmlns:r="http://schemas.openxmlformats.org/officeDocument/2006/relationships" xmlns:p="http://schemas.openxmlformats.org/presentationml/2006/main">
+  <p:cSld>
+    <p:bg>
+      <p:bgPr>
+        <a:solidFill>
+          <a:schemeClr val="accent1">
+            <a:lumMod val="50000"/>
+          </a:schemeClr>
+        </a:solidFill>
+        <a:effectLst/>
+      </p:bgPr>
+    </p:bg>
+    <p:spTree>
+      <p:nvGrpSpPr>
+        <p:cNvPr id="1" name="">
+          <a:extLst>
+            <a:ext uri="{FF2B5EF4-FFF2-40B4-BE49-F238E27FC236}">
+              <a16:creationId xmlns:a16="http://schemas.microsoft.com/office/drawing/2014/main" id="{2ECF9090-9900-D90B-BC97-9DDE01E18BCA}"/>
+            </a:ext>
+          </a:extLst>
+        </p:cNvPr>
+        <p:cNvGrpSpPr/>
+        <p:nvPr/>
+      </p:nvGrpSpPr>
+      <p:grpSpPr>
+        <a:xfrm>
+          <a:off x="0" y="0"/>
+          <a:ext cx="0" cy="0"/>
+          <a:chOff x="0" y="0"/>
+          <a:chExt cx="0" cy="0"/>
+        </a:xfrm>
+      </p:grpSpPr>
+      <p:sp>
+        <p:nvSpPr>
+          <p:cNvPr id="10" name="Elipse 9">
+            <a:extLst>
+              <a:ext uri="{FF2B5EF4-FFF2-40B4-BE49-F238E27FC236}">
+                <a16:creationId xmlns:a16="http://schemas.microsoft.com/office/drawing/2014/main" id="{9540A2AC-001E-5CE2-AED1-69E5BE23E953}"/>
+              </a:ext>
+            </a:extLst>
+          </p:cNvPr>
+          <p:cNvSpPr/>
+          <p:nvPr/>
+        </p:nvSpPr>
+        <p:spPr>
+          <a:xfrm>
+            <a:off x="1180280" y="1519809"/>
+            <a:ext cx="3439643" cy="3510261"/>
+          </a:xfrm>
+          <a:prstGeom prst="ellipse">
+            <a:avLst/>
+          </a:prstGeom>
+          <a:solidFill>
+            <a:schemeClr val="bg1"/>
+          </a:solidFill>
+          <a:ln>
+            <a:noFill/>
+          </a:ln>
+        </p:spPr>
+        <p:style>
+          <a:lnRef idx="2">
+            <a:schemeClr val="accent1">
+              <a:shade val="15000"/>
+            </a:schemeClr>
+          </a:lnRef>
+          <a:fillRef idx="1">
+            <a:schemeClr val="accent1"/>
+          </a:fillRef>
+          <a:effectRef idx="0">
+            <a:schemeClr val="accent1"/>
+          </a:effectRef>
+          <a:fontRef idx="minor">
+            <a:schemeClr val="lt1"/>
+          </a:fontRef>
+        </p:style>
+        <p:txBody>
+          <a:bodyPr rtlCol="0" anchor="ctr"/>
+          <a:lstStyle/>
+          <a:p>
+            <a:pPr algn="ctr"/>
+            <a:endParaRPr lang="en-US"/>
+          </a:p>
+        </p:txBody>
+      </p:sp>
+      <p:sp>
+        <p:nvSpPr>
+          <p:cNvPr id="3" name="CaixaDeTexto 2">
+            <a:extLst>
+              <a:ext uri="{FF2B5EF4-FFF2-40B4-BE49-F238E27FC236}">
+                <a16:creationId xmlns:a16="http://schemas.microsoft.com/office/drawing/2014/main" id="{59619353-0F6F-1DCA-D800-3A0BADAA632C}"/>
+              </a:ext>
+            </a:extLst>
+          </p:cNvPr>
+          <p:cNvSpPr txBox="1"/>
+          <p:nvPr/>
+        </p:nvSpPr>
+        <p:spPr>
+          <a:xfrm>
+            <a:off x="1018057" y="2692568"/>
+            <a:ext cx="3741566" cy="1015663"/>
+          </a:xfrm>
+          <a:prstGeom prst="rect">
+            <a:avLst/>
+          </a:prstGeom>
+          <a:noFill/>
+        </p:spPr>
+        <p:txBody>
+          <a:bodyPr wrap="square" rtlCol="0">
+            <a:spAutoFit/>
+          </a:bodyPr>
+          <a:lstStyle/>
+          <a:p>
+            <a:pPr algn="ctr"/>
+            <a:r>
+              <a:rPr lang="pt-BR" sz="6000">
+                <a:latin typeface="Bahnschrift SemiCondensed" panose="020B0502040204020203" pitchFamily="34" charset="0"/>
+              </a:rPr>
+              <a:t>Obrigado!</a:t>
+            </a:r>
+            <a:endParaRPr lang="en-US" sz="6000" dirty="0">
+              <a:latin typeface="Bahnschrift SemiCondensed" panose="020B0502040204020203" pitchFamily="34" charset="0"/>
+            </a:endParaRPr>
+          </a:p>
+        </p:txBody>
+      </p:sp>
+      <p:sp>
+        <p:nvSpPr>
+          <p:cNvPr id="12" name="CaixaDeTexto 11">
+            <a:extLst>
+              <a:ext uri="{FF2B5EF4-FFF2-40B4-BE49-F238E27FC236}">
+                <a16:creationId xmlns:a16="http://schemas.microsoft.com/office/drawing/2014/main" id="{2C3CCE61-9C6E-52E0-3E1C-E4B8786ECE36}"/>
+              </a:ext>
+            </a:extLst>
+          </p:cNvPr>
+          <p:cNvSpPr txBox="1"/>
+          <p:nvPr/>
+        </p:nvSpPr>
+        <p:spPr>
+          <a:xfrm>
+            <a:off x="6629400" y="3059668"/>
+            <a:ext cx="3632200" cy="369332"/>
+          </a:xfrm>
+          <a:prstGeom prst="rect">
+            <a:avLst/>
+          </a:prstGeom>
+          <a:noFill/>
+        </p:spPr>
+        <p:txBody>
+          <a:bodyPr wrap="square">
+            <a:spAutoFit/>
+          </a:bodyPr>
+          <a:lstStyle/>
+          <a:p>
+            <a:r>
+              <a:rPr lang="en-US" dirty="0">
+                <a:solidFill>
+                  <a:schemeClr val="bg1"/>
+                </a:solidFill>
+              </a:rPr>
+              <a:t>https://github.com/Julijolie/Cansat</a:t>
+            </a:r>
+          </a:p>
+        </p:txBody>
+      </p:sp>
+      <p:sp>
+        <p:nvSpPr>
+          <p:cNvPr id="13" name="CaixaDeTexto 12">
+            <a:extLst>
+              <a:ext uri="{FF2B5EF4-FFF2-40B4-BE49-F238E27FC236}">
+                <a16:creationId xmlns:a16="http://schemas.microsoft.com/office/drawing/2014/main" id="{C034545F-AE7C-AC01-3197-5C518F25FA40}"/>
+              </a:ext>
+            </a:extLst>
+          </p:cNvPr>
+          <p:cNvSpPr txBox="1"/>
+          <p:nvPr/>
+        </p:nvSpPr>
+        <p:spPr>
+          <a:xfrm>
+            <a:off x="6520034" y="1519809"/>
+            <a:ext cx="3741566" cy="1015663"/>
+          </a:xfrm>
+          <a:prstGeom prst="rect">
+            <a:avLst/>
+          </a:prstGeom>
+          <a:noFill/>
+        </p:spPr>
+        <p:txBody>
+          <a:bodyPr wrap="square" rtlCol="0">
+            <a:spAutoFit/>
+          </a:bodyPr>
+          <a:lstStyle/>
+          <a:p>
+            <a:pPr algn="ctr"/>
+            <a:r>
+              <a:rPr lang="pt-BR" sz="6000" dirty="0">
+                <a:solidFill>
+                  <a:schemeClr val="bg1"/>
+                </a:solidFill>
+                <a:latin typeface="Bahnschrift SemiCondensed" panose="020B0502040204020203" pitchFamily="34" charset="0"/>
+              </a:rPr>
+              <a:t>Links úteis</a:t>
+            </a:r>
+            <a:endParaRPr lang="en-US" sz="6000" dirty="0">
+              <a:solidFill>
+                <a:schemeClr val="bg1"/>
+              </a:solidFill>
+              <a:latin typeface="Bahnschrift SemiCondensed" panose="020B0502040204020203" pitchFamily="34" charset="0"/>
+            </a:endParaRPr>
+          </a:p>
+        </p:txBody>
+      </p:sp>
+    </p:spTree>
+    <p:extLst>
+      <p:ext uri="{BB962C8B-B14F-4D97-AF65-F5344CB8AC3E}">
+        <p14:creationId xmlns:p14="http://schemas.microsoft.com/office/powerpoint/2010/main" val="2753228492"/>
+      </p:ext>
+    </p:extLst>
+  </p:cSld>
+  <p:clrMapOvr>
+    <a:masterClrMapping/>
+  </p:clrMapOvr>
+  <mc:AlternateContent xmlns:mc="http://schemas.openxmlformats.org/markup-compatibility/2006" xmlns:p159="http://schemas.microsoft.com/office/powerpoint/2015/09/main">
+    <mc:Choice Requires="p159">
+      <p:transition xmlns:p14="http://schemas.microsoft.com/office/powerpoint/2010/main" spd="slow" p14:dur="2000">
+        <p159:morph option="byObject"/>
+      </p:transition>
+    </mc:Choice>
+    <mc:Fallback xmlns="">
       <p:transition spd="slow">
         <p:fade/>
       </p:transition>
